--- a/HemTools design.pptx
+++ b/HemTools design.pptx
@@ -24,6 +24,12 @@
     <p:sldId id="274" r:id="rId18"/>
     <p:sldId id="272" r:id="rId19"/>
     <p:sldId id="273" r:id="rId20"/>
+    <p:sldId id="275" r:id="rId21"/>
+    <p:sldId id="276" r:id="rId22"/>
+    <p:sldId id="279" r:id="rId23"/>
+    <p:sldId id="280" r:id="rId24"/>
+    <p:sldId id="277" r:id="rId25"/>
+    <p:sldId id="278" r:id="rId26"/>
   </p:sldIdLst>
   <p:sldSz cx="12192000" cy="6858000"/>
   <p:notesSz cx="6858000" cy="9144000"/>
@@ -122,6 +128,11 @@
       </a:defRPr>
     </a:lvl9pPr>
   </p:defaultTextStyle>
+  <p:extLst>
+    <p:ext uri="{EFAFB233-063F-42B5-8137-9DF3F51BA10A}">
+      <p15:sldGuideLst xmlns:p15="http://schemas.microsoft.com/office/powerpoint/2012/main"/>
+    </p:ext>
+  </p:extLst>
 </p:presentation>
 </file>
 
@@ -272,7 +283,7 @@
           <a:p>
             <a:fld id="{2D9BFA8E-3EF1-4A6D-836A-AE324CB7BD16}" type="datetimeFigureOut">
               <a:rPr lang="en-US" smtClean="0"/>
-              <a:t>6/7/2019</a:t>
+              <a:t>10/1/2021</a:t>
             </a:fld>
             <a:endParaRPr lang="en-US"/>
           </a:p>
@@ -470,7 +481,7 @@
           <a:p>
             <a:fld id="{2D9BFA8E-3EF1-4A6D-836A-AE324CB7BD16}" type="datetimeFigureOut">
               <a:rPr lang="en-US" smtClean="0"/>
-              <a:t>6/7/2019</a:t>
+              <a:t>10/1/2021</a:t>
             </a:fld>
             <a:endParaRPr lang="en-US"/>
           </a:p>
@@ -678,7 +689,7 @@
           <a:p>
             <a:fld id="{2D9BFA8E-3EF1-4A6D-836A-AE324CB7BD16}" type="datetimeFigureOut">
               <a:rPr lang="en-US" smtClean="0"/>
-              <a:t>6/7/2019</a:t>
+              <a:t>10/1/2021</a:t>
             </a:fld>
             <a:endParaRPr lang="en-US"/>
           </a:p>
@@ -876,7 +887,7 @@
           <a:p>
             <a:fld id="{2D9BFA8E-3EF1-4A6D-836A-AE324CB7BD16}" type="datetimeFigureOut">
               <a:rPr lang="en-US" smtClean="0"/>
-              <a:t>6/7/2019</a:t>
+              <a:t>10/1/2021</a:t>
             </a:fld>
             <a:endParaRPr lang="en-US"/>
           </a:p>
@@ -1151,7 +1162,7 @@
           <a:p>
             <a:fld id="{2D9BFA8E-3EF1-4A6D-836A-AE324CB7BD16}" type="datetimeFigureOut">
               <a:rPr lang="en-US" smtClean="0"/>
-              <a:t>6/7/2019</a:t>
+              <a:t>10/1/2021</a:t>
             </a:fld>
             <a:endParaRPr lang="en-US"/>
           </a:p>
@@ -1416,7 +1427,7 @@
           <a:p>
             <a:fld id="{2D9BFA8E-3EF1-4A6D-836A-AE324CB7BD16}" type="datetimeFigureOut">
               <a:rPr lang="en-US" smtClean="0"/>
-              <a:t>6/7/2019</a:t>
+              <a:t>10/1/2021</a:t>
             </a:fld>
             <a:endParaRPr lang="en-US"/>
           </a:p>
@@ -1828,7 +1839,7 @@
           <a:p>
             <a:fld id="{2D9BFA8E-3EF1-4A6D-836A-AE324CB7BD16}" type="datetimeFigureOut">
               <a:rPr lang="en-US" smtClean="0"/>
-              <a:t>6/7/2019</a:t>
+              <a:t>10/1/2021</a:t>
             </a:fld>
             <a:endParaRPr lang="en-US"/>
           </a:p>
@@ -1969,7 +1980,7 @@
           <a:p>
             <a:fld id="{2D9BFA8E-3EF1-4A6D-836A-AE324CB7BD16}" type="datetimeFigureOut">
               <a:rPr lang="en-US" smtClean="0"/>
-              <a:t>6/7/2019</a:t>
+              <a:t>10/1/2021</a:t>
             </a:fld>
             <a:endParaRPr lang="en-US"/>
           </a:p>
@@ -2082,7 +2093,7 @@
           <a:p>
             <a:fld id="{2D9BFA8E-3EF1-4A6D-836A-AE324CB7BD16}" type="datetimeFigureOut">
               <a:rPr lang="en-US" smtClean="0"/>
-              <a:t>6/7/2019</a:t>
+              <a:t>10/1/2021</a:t>
             </a:fld>
             <a:endParaRPr lang="en-US"/>
           </a:p>
@@ -2393,7 +2404,7 @@
           <a:p>
             <a:fld id="{2D9BFA8E-3EF1-4A6D-836A-AE324CB7BD16}" type="datetimeFigureOut">
               <a:rPr lang="en-US" smtClean="0"/>
-              <a:t>6/7/2019</a:t>
+              <a:t>10/1/2021</a:t>
             </a:fld>
             <a:endParaRPr lang="en-US"/>
           </a:p>
@@ -2681,7 +2692,7 @@
           <a:p>
             <a:fld id="{2D9BFA8E-3EF1-4A6D-836A-AE324CB7BD16}" type="datetimeFigureOut">
               <a:rPr lang="en-US" smtClean="0"/>
-              <a:t>6/7/2019</a:t>
+              <a:t>10/1/2021</a:t>
             </a:fld>
             <a:endParaRPr lang="en-US"/>
           </a:p>
@@ -2922,7 +2933,7 @@
           <a:p>
             <a:fld id="{2D9BFA8E-3EF1-4A6D-836A-AE324CB7BD16}" type="datetimeFigureOut">
               <a:rPr lang="en-US" smtClean="0"/>
-              <a:t>6/7/2019</a:t>
+              <a:t>10/1/2021</a:t>
             </a:fld>
             <a:endParaRPr lang="en-US"/>
           </a:p>
@@ -5146,6 +5157,1309 @@
 </p:sld>
 </file>
 
+<file path=ppt/slides/slide20.xml><?xml version="1.0" encoding="utf-8"?>
+<p:sld xmlns:a="http://schemas.openxmlformats.org/drawingml/2006/main" xmlns:r="http://schemas.openxmlformats.org/officeDocument/2006/relationships" xmlns:p="http://schemas.openxmlformats.org/presentationml/2006/main">
+  <p:cSld>
+    <p:spTree>
+      <p:nvGrpSpPr>
+        <p:cNvPr id="1" name=""/>
+        <p:cNvGrpSpPr/>
+        <p:nvPr/>
+      </p:nvGrpSpPr>
+      <p:grpSpPr>
+        <a:xfrm>
+          <a:off x="0" y="0"/>
+          <a:ext cx="0" cy="0"/>
+          <a:chOff x="0" y="0"/>
+          <a:chExt cx="0" cy="0"/>
+        </a:xfrm>
+      </p:grpSpPr>
+      <p:sp>
+        <p:nvSpPr>
+          <p:cNvPr id="4" name="Title 3">
+            <a:extLst>
+              <a:ext uri="{FF2B5EF4-FFF2-40B4-BE49-F238E27FC236}">
+                <a16:creationId xmlns:a16="http://schemas.microsoft.com/office/drawing/2014/main" id="{A8CF8A37-B0C8-4439-ADD2-B3D04B1C7107}"/>
+              </a:ext>
+            </a:extLst>
+          </p:cNvPr>
+          <p:cNvSpPr>
+            <a:spLocks noGrp="1"/>
+          </p:cNvSpPr>
+          <p:nvPr>
+            <p:ph type="title"/>
+          </p:nvPr>
+        </p:nvSpPr>
+        <p:spPr/>
+        <p:txBody>
+          <a:bodyPr/>
+          <a:lstStyle/>
+          <a:p>
+            <a:r>
+              <a:rPr lang="en-US" dirty="0"/>
+              <a:t>Pipeline charts</a:t>
+            </a:r>
+          </a:p>
+        </p:txBody>
+      </p:sp>
+      <p:sp>
+        <p:nvSpPr>
+          <p:cNvPr id="5" name="Text Placeholder 4">
+            <a:extLst>
+              <a:ext uri="{FF2B5EF4-FFF2-40B4-BE49-F238E27FC236}">
+                <a16:creationId xmlns:a16="http://schemas.microsoft.com/office/drawing/2014/main" id="{45E928AB-876A-46D0-9933-2C2C636F192B}"/>
+              </a:ext>
+            </a:extLst>
+          </p:cNvPr>
+          <p:cNvSpPr>
+            <a:spLocks noGrp="1"/>
+          </p:cNvSpPr>
+          <p:nvPr>
+            <p:ph type="body" idx="1"/>
+          </p:nvPr>
+        </p:nvSpPr>
+        <p:spPr/>
+        <p:txBody>
+          <a:bodyPr/>
+          <a:lstStyle/>
+          <a:p>
+            <a:endParaRPr lang="en-US"/>
+          </a:p>
+        </p:txBody>
+      </p:sp>
+    </p:spTree>
+    <p:extLst>
+      <p:ext uri="{BB962C8B-B14F-4D97-AF65-F5344CB8AC3E}">
+        <p14:creationId xmlns:p14="http://schemas.microsoft.com/office/powerpoint/2010/main" val="2991457798"/>
+      </p:ext>
+    </p:extLst>
+  </p:cSld>
+  <p:clrMapOvr>
+    <a:masterClrMapping/>
+  </p:clrMapOvr>
+</p:sld>
+</file>
+
+<file path=ppt/slides/slide21.xml><?xml version="1.0" encoding="utf-8"?>
+<p:sld xmlns:a="http://schemas.openxmlformats.org/drawingml/2006/main" xmlns:r="http://schemas.openxmlformats.org/officeDocument/2006/relationships" xmlns:p="http://schemas.openxmlformats.org/presentationml/2006/main">
+  <p:cSld>
+    <p:spTree>
+      <p:nvGrpSpPr>
+        <p:cNvPr id="1" name=""/>
+        <p:cNvGrpSpPr/>
+        <p:nvPr/>
+      </p:nvGrpSpPr>
+      <p:grpSpPr>
+        <a:xfrm>
+          <a:off x="0" y="0"/>
+          <a:ext cx="0" cy="0"/>
+          <a:chOff x="0" y="0"/>
+          <a:chExt cx="0" cy="0"/>
+        </a:xfrm>
+      </p:grpSpPr>
+      <p:sp>
+        <p:nvSpPr>
+          <p:cNvPr id="4" name="Flowchart: Document 3">
+            <a:extLst>
+              <a:ext uri="{FF2B5EF4-FFF2-40B4-BE49-F238E27FC236}">
+                <a16:creationId xmlns:a16="http://schemas.microsoft.com/office/drawing/2014/main" id="{B3128BDE-1FB0-4FA1-A502-0D94F9CEA81D}"/>
+              </a:ext>
+            </a:extLst>
+          </p:cNvPr>
+          <p:cNvSpPr/>
+          <p:nvPr/>
+        </p:nvSpPr>
+        <p:spPr>
+          <a:xfrm>
+            <a:off x="2718033" y="293614"/>
+            <a:ext cx="1249959" cy="738231"/>
+          </a:xfrm>
+          <a:prstGeom prst="flowChartDocument">
+            <a:avLst/>
+          </a:prstGeom>
+          <a:noFill/>
+        </p:spPr>
+        <p:style>
+          <a:lnRef idx="2">
+            <a:schemeClr val="accent1">
+              <a:shade val="50000"/>
+            </a:schemeClr>
+          </a:lnRef>
+          <a:fillRef idx="1">
+            <a:schemeClr val="accent1"/>
+          </a:fillRef>
+          <a:effectRef idx="0">
+            <a:schemeClr val="accent1"/>
+          </a:effectRef>
+          <a:fontRef idx="minor">
+            <a:schemeClr val="lt1"/>
+          </a:fontRef>
+        </p:style>
+        <p:txBody>
+          <a:bodyPr rtlCol="0" anchor="ctr"/>
+          <a:lstStyle/>
+          <a:p>
+            <a:pPr algn="ctr"/>
+            <a:r>
+              <a:rPr lang="en-US" dirty="0" err="1">
+                <a:solidFill>
+                  <a:schemeClr val="tx1"/>
+                </a:solidFill>
+              </a:rPr>
+              <a:t>ATAC.list</a:t>
+            </a:r>
+            <a:endParaRPr lang="en-US" dirty="0">
+              <a:solidFill>
+                <a:schemeClr val="tx1"/>
+              </a:solidFill>
+            </a:endParaRPr>
+          </a:p>
+        </p:txBody>
+      </p:sp>
+      <p:sp>
+        <p:nvSpPr>
+          <p:cNvPr id="5" name="Flowchart: Document 4">
+            <a:extLst>
+              <a:ext uri="{FF2B5EF4-FFF2-40B4-BE49-F238E27FC236}">
+                <a16:creationId xmlns:a16="http://schemas.microsoft.com/office/drawing/2014/main" id="{999D38C8-C942-4508-8541-9B15EC3E0645}"/>
+              </a:ext>
+            </a:extLst>
+          </p:cNvPr>
+          <p:cNvSpPr/>
+          <p:nvPr/>
+        </p:nvSpPr>
+        <p:spPr>
+          <a:xfrm>
+            <a:off x="4514675" y="293613"/>
+            <a:ext cx="1249959" cy="738231"/>
+          </a:xfrm>
+          <a:prstGeom prst="flowChartDocument">
+            <a:avLst/>
+          </a:prstGeom>
+          <a:noFill/>
+        </p:spPr>
+        <p:style>
+          <a:lnRef idx="2">
+            <a:schemeClr val="accent1">
+              <a:shade val="50000"/>
+            </a:schemeClr>
+          </a:lnRef>
+          <a:fillRef idx="1">
+            <a:schemeClr val="accent1"/>
+          </a:fillRef>
+          <a:effectRef idx="0">
+            <a:schemeClr val="accent1"/>
+          </a:effectRef>
+          <a:fontRef idx="minor">
+            <a:schemeClr val="lt1"/>
+          </a:fontRef>
+        </p:style>
+        <p:txBody>
+          <a:bodyPr rtlCol="0" anchor="ctr"/>
+          <a:lstStyle/>
+          <a:p>
+            <a:pPr algn="ctr"/>
+            <a:r>
+              <a:rPr lang="en-US" dirty="0" err="1">
+                <a:solidFill>
+                  <a:schemeClr val="tx1"/>
+                </a:solidFill>
+              </a:rPr>
+              <a:t>motif.list</a:t>
+            </a:r>
+            <a:endParaRPr lang="en-US" dirty="0">
+              <a:solidFill>
+                <a:schemeClr val="tx1"/>
+              </a:solidFill>
+            </a:endParaRPr>
+          </a:p>
+        </p:txBody>
+      </p:sp>
+      <p:sp>
+        <p:nvSpPr>
+          <p:cNvPr id="6" name="Flowchart: Document 5">
+            <a:extLst>
+              <a:ext uri="{FF2B5EF4-FFF2-40B4-BE49-F238E27FC236}">
+                <a16:creationId xmlns:a16="http://schemas.microsoft.com/office/drawing/2014/main" id="{1DD01834-11E8-45B8-948D-A228E5CF9F48}"/>
+              </a:ext>
+            </a:extLst>
+          </p:cNvPr>
+          <p:cNvSpPr/>
+          <p:nvPr/>
+        </p:nvSpPr>
+        <p:spPr>
+          <a:xfrm>
+            <a:off x="714462" y="4276288"/>
+            <a:ext cx="1249959" cy="738231"/>
+          </a:xfrm>
+          <a:prstGeom prst="flowChartDocument">
+            <a:avLst/>
+          </a:prstGeom>
+          <a:noFill/>
+        </p:spPr>
+        <p:style>
+          <a:lnRef idx="2">
+            <a:schemeClr val="accent1">
+              <a:shade val="50000"/>
+            </a:schemeClr>
+          </a:lnRef>
+          <a:fillRef idx="1">
+            <a:schemeClr val="accent1"/>
+          </a:fillRef>
+          <a:effectRef idx="0">
+            <a:schemeClr val="accent1"/>
+          </a:effectRef>
+          <a:fontRef idx="minor">
+            <a:schemeClr val="lt1"/>
+          </a:fontRef>
+        </p:style>
+        <p:txBody>
+          <a:bodyPr rtlCol="0" anchor="ctr"/>
+          <a:lstStyle/>
+          <a:p>
+            <a:pPr algn="ctr"/>
+            <a:r>
+              <a:rPr lang="en-US" dirty="0">
+                <a:solidFill>
+                  <a:schemeClr val="tx1"/>
+                </a:solidFill>
+              </a:rPr>
+              <a:t>TF Peaks</a:t>
+            </a:r>
+          </a:p>
+        </p:txBody>
+      </p:sp>
+      <p:sp>
+        <p:nvSpPr>
+          <p:cNvPr id="7" name="Flowchart: Process 6">
+            <a:extLst>
+              <a:ext uri="{FF2B5EF4-FFF2-40B4-BE49-F238E27FC236}">
+                <a16:creationId xmlns:a16="http://schemas.microsoft.com/office/drawing/2014/main" id="{6F5AE659-2290-493D-9DFE-18E561DB7F3B}"/>
+              </a:ext>
+            </a:extLst>
+          </p:cNvPr>
+          <p:cNvSpPr/>
+          <p:nvPr/>
+        </p:nvSpPr>
+        <p:spPr>
+          <a:xfrm>
+            <a:off x="3061984" y="1468074"/>
+            <a:ext cx="2197914" cy="595619"/>
+          </a:xfrm>
+          <a:prstGeom prst="flowChartProcess">
+            <a:avLst/>
+          </a:prstGeom>
+          <a:noFill/>
+        </p:spPr>
+        <p:style>
+          <a:lnRef idx="2">
+            <a:schemeClr val="accent1">
+              <a:shade val="50000"/>
+            </a:schemeClr>
+          </a:lnRef>
+          <a:fillRef idx="1">
+            <a:schemeClr val="accent1"/>
+          </a:fillRef>
+          <a:effectRef idx="0">
+            <a:schemeClr val="accent1"/>
+          </a:effectRef>
+          <a:fontRef idx="minor">
+            <a:schemeClr val="lt1"/>
+          </a:fontRef>
+        </p:style>
+        <p:txBody>
+          <a:bodyPr rtlCol="0" anchor="ctr"/>
+          <a:lstStyle/>
+          <a:p>
+            <a:pPr algn="ctr"/>
+            <a:r>
+              <a:rPr lang="en-US" dirty="0">
+                <a:solidFill>
+                  <a:sysClr val="windowText" lastClr="000000"/>
+                </a:solidFill>
+              </a:rPr>
+              <a:t>Featurization</a:t>
+            </a:r>
+          </a:p>
+        </p:txBody>
+      </p:sp>
+      <p:cxnSp>
+        <p:nvCxnSpPr>
+          <p:cNvPr id="9" name="Straight Arrow Connector 8">
+            <a:extLst>
+              <a:ext uri="{FF2B5EF4-FFF2-40B4-BE49-F238E27FC236}">
+                <a16:creationId xmlns:a16="http://schemas.microsoft.com/office/drawing/2014/main" id="{04090342-7233-471C-9727-4B72ADFA6F33}"/>
+              </a:ext>
+            </a:extLst>
+          </p:cNvPr>
+          <p:cNvCxnSpPr>
+            <a:stCxn id="4" idx="2"/>
+            <a:endCxn id="7" idx="0"/>
+          </p:cNvCxnSpPr>
+          <p:nvPr/>
+        </p:nvCxnSpPr>
+        <p:spPr>
+          <a:xfrm>
+            <a:off x="3343013" y="983040"/>
+            <a:ext cx="817928" cy="485034"/>
+          </a:xfrm>
+          <a:prstGeom prst="straightConnector1">
+            <a:avLst/>
+          </a:prstGeom>
+          <a:ln>
+            <a:tailEnd type="triangle"/>
+          </a:ln>
+        </p:spPr>
+        <p:style>
+          <a:lnRef idx="1">
+            <a:schemeClr val="accent1"/>
+          </a:lnRef>
+          <a:fillRef idx="0">
+            <a:schemeClr val="accent1"/>
+          </a:fillRef>
+          <a:effectRef idx="0">
+            <a:schemeClr val="accent1"/>
+          </a:effectRef>
+          <a:fontRef idx="minor">
+            <a:schemeClr val="tx1"/>
+          </a:fontRef>
+        </p:style>
+      </p:cxnSp>
+      <p:cxnSp>
+        <p:nvCxnSpPr>
+          <p:cNvPr id="10" name="Straight Arrow Connector 9">
+            <a:extLst>
+              <a:ext uri="{FF2B5EF4-FFF2-40B4-BE49-F238E27FC236}">
+                <a16:creationId xmlns:a16="http://schemas.microsoft.com/office/drawing/2014/main" id="{7D29179B-94B2-456E-9906-EBB47AFE9E68}"/>
+              </a:ext>
+            </a:extLst>
+          </p:cNvPr>
+          <p:cNvCxnSpPr>
+            <a:cxnSpLocks/>
+            <a:stCxn id="5" idx="2"/>
+            <a:endCxn id="7" idx="0"/>
+          </p:cNvCxnSpPr>
+          <p:nvPr/>
+        </p:nvCxnSpPr>
+        <p:spPr>
+          <a:xfrm flipH="1">
+            <a:off x="4160941" y="983039"/>
+            <a:ext cx="978714" cy="485035"/>
+          </a:xfrm>
+          <a:prstGeom prst="straightConnector1">
+            <a:avLst/>
+          </a:prstGeom>
+          <a:ln>
+            <a:tailEnd type="triangle"/>
+          </a:ln>
+        </p:spPr>
+        <p:style>
+          <a:lnRef idx="1">
+            <a:schemeClr val="accent1"/>
+          </a:lnRef>
+          <a:fillRef idx="0">
+            <a:schemeClr val="accent1"/>
+          </a:fillRef>
+          <a:effectRef idx="0">
+            <a:schemeClr val="accent1"/>
+          </a:effectRef>
+          <a:fontRef idx="minor">
+            <a:schemeClr val="tx1"/>
+          </a:fontRef>
+        </p:style>
+      </p:cxnSp>
+      <p:sp>
+        <p:nvSpPr>
+          <p:cNvPr id="13" name="Flowchart: Data 12">
+            <a:extLst>
+              <a:ext uri="{FF2B5EF4-FFF2-40B4-BE49-F238E27FC236}">
+                <a16:creationId xmlns:a16="http://schemas.microsoft.com/office/drawing/2014/main" id="{1F48E37B-7B89-4787-BFAE-CE9466A526F8}"/>
+              </a:ext>
+            </a:extLst>
+          </p:cNvPr>
+          <p:cNvSpPr/>
+          <p:nvPr/>
+        </p:nvSpPr>
+        <p:spPr>
+          <a:xfrm>
+            <a:off x="2765572" y="4239586"/>
+            <a:ext cx="2306972" cy="655388"/>
+          </a:xfrm>
+          <a:prstGeom prst="flowChartInputOutput">
+            <a:avLst/>
+          </a:prstGeom>
+          <a:noFill/>
+        </p:spPr>
+        <p:style>
+          <a:lnRef idx="2">
+            <a:schemeClr val="accent1">
+              <a:shade val="50000"/>
+            </a:schemeClr>
+          </a:lnRef>
+          <a:fillRef idx="1">
+            <a:schemeClr val="accent1"/>
+          </a:fillRef>
+          <a:effectRef idx="0">
+            <a:schemeClr val="accent1"/>
+          </a:effectRef>
+          <a:fontRef idx="minor">
+            <a:schemeClr val="lt1"/>
+          </a:fontRef>
+        </p:style>
+        <p:txBody>
+          <a:bodyPr rtlCol="0" anchor="ctr"/>
+          <a:lstStyle/>
+          <a:p>
+            <a:pPr algn="ctr"/>
+            <a:r>
+              <a:rPr lang="en-US" dirty="0">
+                <a:solidFill>
+                  <a:sysClr val="windowText" lastClr="000000"/>
+                </a:solidFill>
+              </a:rPr>
+              <a:t>ML model</a:t>
+            </a:r>
+          </a:p>
+        </p:txBody>
+      </p:sp>
+      <p:cxnSp>
+        <p:nvCxnSpPr>
+          <p:cNvPr id="15" name="Straight Arrow Connector 14">
+            <a:extLst>
+              <a:ext uri="{FF2B5EF4-FFF2-40B4-BE49-F238E27FC236}">
+                <a16:creationId xmlns:a16="http://schemas.microsoft.com/office/drawing/2014/main" id="{3342BB51-A78D-4135-AA7B-FF7018294502}"/>
+              </a:ext>
+            </a:extLst>
+          </p:cNvPr>
+          <p:cNvCxnSpPr>
+            <a:cxnSpLocks/>
+            <a:stCxn id="7" idx="2"/>
+            <a:endCxn id="19" idx="0"/>
+          </p:cNvCxnSpPr>
+          <p:nvPr/>
+        </p:nvCxnSpPr>
+        <p:spPr>
+          <a:xfrm flipH="1">
+            <a:off x="4158144" y="2063693"/>
+            <a:ext cx="2797" cy="668497"/>
+          </a:xfrm>
+          <a:prstGeom prst="straightConnector1">
+            <a:avLst/>
+          </a:prstGeom>
+          <a:ln>
+            <a:tailEnd type="triangle"/>
+          </a:ln>
+        </p:spPr>
+        <p:style>
+          <a:lnRef idx="1">
+            <a:schemeClr val="accent1"/>
+          </a:lnRef>
+          <a:fillRef idx="0">
+            <a:schemeClr val="accent1"/>
+          </a:fillRef>
+          <a:effectRef idx="0">
+            <a:schemeClr val="accent1"/>
+          </a:effectRef>
+          <a:fontRef idx="minor">
+            <a:schemeClr val="tx1"/>
+          </a:fontRef>
+        </p:style>
+      </p:cxnSp>
+      <p:sp>
+        <p:nvSpPr>
+          <p:cNvPr id="19" name="Cube 18">
+            <a:extLst>
+              <a:ext uri="{FF2B5EF4-FFF2-40B4-BE49-F238E27FC236}">
+                <a16:creationId xmlns:a16="http://schemas.microsoft.com/office/drawing/2014/main" id="{6AB5459F-03EB-4335-95F9-AD5FF6839D58}"/>
+              </a:ext>
+            </a:extLst>
+          </p:cNvPr>
+          <p:cNvSpPr/>
+          <p:nvPr/>
+        </p:nvSpPr>
+        <p:spPr>
+          <a:xfrm>
+            <a:off x="3050798" y="2732190"/>
+            <a:ext cx="2004968" cy="838899"/>
+          </a:xfrm>
+          <a:prstGeom prst="cube">
+            <a:avLst/>
+          </a:prstGeom>
+          <a:noFill/>
+        </p:spPr>
+        <p:style>
+          <a:lnRef idx="2">
+            <a:schemeClr val="accent1">
+              <a:shade val="50000"/>
+            </a:schemeClr>
+          </a:lnRef>
+          <a:fillRef idx="1">
+            <a:schemeClr val="accent1"/>
+          </a:fillRef>
+          <a:effectRef idx="0">
+            <a:schemeClr val="accent1"/>
+          </a:effectRef>
+          <a:fontRef idx="minor">
+            <a:schemeClr val="lt1"/>
+          </a:fontRef>
+        </p:style>
+        <p:txBody>
+          <a:bodyPr rtlCol="0" anchor="ctr"/>
+          <a:lstStyle/>
+          <a:p>
+            <a:pPr algn="ctr"/>
+            <a:r>
+              <a:rPr lang="en-US">
+                <a:solidFill>
+                  <a:sysClr val="windowText" lastClr="000000"/>
+                </a:solidFill>
+              </a:rPr>
+              <a:t>Feature Matrix</a:t>
+            </a:r>
+            <a:endParaRPr lang="en-US" dirty="0">
+              <a:solidFill>
+                <a:sysClr val="windowText" lastClr="000000"/>
+              </a:solidFill>
+            </a:endParaRPr>
+          </a:p>
+        </p:txBody>
+      </p:sp>
+      <p:cxnSp>
+        <p:nvCxnSpPr>
+          <p:cNvPr id="21" name="Straight Arrow Connector 20">
+            <a:extLst>
+              <a:ext uri="{FF2B5EF4-FFF2-40B4-BE49-F238E27FC236}">
+                <a16:creationId xmlns:a16="http://schemas.microsoft.com/office/drawing/2014/main" id="{CCBFEAA5-B530-4373-84AF-3C92710C913B}"/>
+              </a:ext>
+            </a:extLst>
+          </p:cNvPr>
+          <p:cNvCxnSpPr>
+            <a:cxnSpLocks/>
+            <a:endCxn id="13" idx="0"/>
+          </p:cNvCxnSpPr>
+          <p:nvPr/>
+        </p:nvCxnSpPr>
+        <p:spPr>
+          <a:xfrm>
+            <a:off x="4149755" y="3571089"/>
+            <a:ext cx="0" cy="668497"/>
+          </a:xfrm>
+          <a:prstGeom prst="straightConnector1">
+            <a:avLst/>
+          </a:prstGeom>
+          <a:ln>
+            <a:tailEnd type="triangle"/>
+          </a:ln>
+        </p:spPr>
+        <p:style>
+          <a:lnRef idx="1">
+            <a:schemeClr val="accent1"/>
+          </a:lnRef>
+          <a:fillRef idx="0">
+            <a:schemeClr val="accent1"/>
+          </a:fillRef>
+          <a:effectRef idx="0">
+            <a:schemeClr val="accent1"/>
+          </a:effectRef>
+          <a:fontRef idx="minor">
+            <a:schemeClr val="tx1"/>
+          </a:fontRef>
+        </p:style>
+      </p:cxnSp>
+      <p:cxnSp>
+        <p:nvCxnSpPr>
+          <p:cNvPr id="29" name="Straight Arrow Connector 28">
+            <a:extLst>
+              <a:ext uri="{FF2B5EF4-FFF2-40B4-BE49-F238E27FC236}">
+                <a16:creationId xmlns:a16="http://schemas.microsoft.com/office/drawing/2014/main" id="{95D565AD-E489-4D48-875E-79352D891F20}"/>
+              </a:ext>
+            </a:extLst>
+          </p:cNvPr>
+          <p:cNvCxnSpPr>
+            <a:cxnSpLocks/>
+            <a:endCxn id="13" idx="2"/>
+          </p:cNvCxnSpPr>
+          <p:nvPr/>
+        </p:nvCxnSpPr>
+        <p:spPr>
+          <a:xfrm>
+            <a:off x="1964421" y="4567280"/>
+            <a:ext cx="1031848" cy="0"/>
+          </a:xfrm>
+          <a:prstGeom prst="straightConnector1">
+            <a:avLst/>
+          </a:prstGeom>
+          <a:ln>
+            <a:tailEnd type="triangle"/>
+          </a:ln>
+        </p:spPr>
+        <p:style>
+          <a:lnRef idx="1">
+            <a:schemeClr val="accent1"/>
+          </a:lnRef>
+          <a:fillRef idx="0">
+            <a:schemeClr val="accent1"/>
+          </a:fillRef>
+          <a:effectRef idx="0">
+            <a:schemeClr val="accent1"/>
+          </a:effectRef>
+          <a:fontRef idx="minor">
+            <a:schemeClr val="tx1"/>
+          </a:fontRef>
+        </p:style>
+      </p:cxnSp>
+      <p:sp>
+        <p:nvSpPr>
+          <p:cNvPr id="34" name="Cube 33">
+            <a:extLst>
+              <a:ext uri="{FF2B5EF4-FFF2-40B4-BE49-F238E27FC236}">
+                <a16:creationId xmlns:a16="http://schemas.microsoft.com/office/drawing/2014/main" id="{F3E87422-37D3-4590-9EC4-4EAC32629214}"/>
+              </a:ext>
+            </a:extLst>
+          </p:cNvPr>
+          <p:cNvSpPr/>
+          <p:nvPr/>
+        </p:nvSpPr>
+        <p:spPr>
+          <a:xfrm>
+            <a:off x="2996269" y="5563471"/>
+            <a:ext cx="2004968" cy="838899"/>
+          </a:xfrm>
+          <a:prstGeom prst="cube">
+            <a:avLst/>
+          </a:prstGeom>
+          <a:noFill/>
+        </p:spPr>
+        <p:style>
+          <a:lnRef idx="2">
+            <a:schemeClr val="accent1">
+              <a:shade val="50000"/>
+            </a:schemeClr>
+          </a:lnRef>
+          <a:fillRef idx="1">
+            <a:schemeClr val="accent1"/>
+          </a:fillRef>
+          <a:effectRef idx="0">
+            <a:schemeClr val="accent1"/>
+          </a:effectRef>
+          <a:fontRef idx="minor">
+            <a:schemeClr val="lt1"/>
+          </a:fontRef>
+        </p:style>
+        <p:txBody>
+          <a:bodyPr rtlCol="0" anchor="ctr"/>
+          <a:lstStyle/>
+          <a:p>
+            <a:pPr algn="ctr"/>
+            <a:r>
+              <a:rPr lang="en-US" dirty="0">
+                <a:solidFill>
+                  <a:sysClr val="windowText" lastClr="000000"/>
+                </a:solidFill>
+              </a:rPr>
+              <a:t>Predicted TFBSs</a:t>
+            </a:r>
+          </a:p>
+        </p:txBody>
+      </p:sp>
+      <p:cxnSp>
+        <p:nvCxnSpPr>
+          <p:cNvPr id="35" name="Straight Arrow Connector 34">
+            <a:extLst>
+              <a:ext uri="{FF2B5EF4-FFF2-40B4-BE49-F238E27FC236}">
+                <a16:creationId xmlns:a16="http://schemas.microsoft.com/office/drawing/2014/main" id="{9FD0BFF8-1710-4861-B90F-07A901DCAC54}"/>
+              </a:ext>
+            </a:extLst>
+          </p:cNvPr>
+          <p:cNvCxnSpPr>
+            <a:cxnSpLocks/>
+          </p:cNvCxnSpPr>
+          <p:nvPr/>
+        </p:nvCxnSpPr>
+        <p:spPr>
+          <a:xfrm>
+            <a:off x="4158144" y="4894974"/>
+            <a:ext cx="0" cy="668497"/>
+          </a:xfrm>
+          <a:prstGeom prst="straightConnector1">
+            <a:avLst/>
+          </a:prstGeom>
+          <a:ln>
+            <a:tailEnd type="triangle"/>
+          </a:ln>
+        </p:spPr>
+        <p:style>
+          <a:lnRef idx="1">
+            <a:schemeClr val="accent1"/>
+          </a:lnRef>
+          <a:fillRef idx="0">
+            <a:schemeClr val="accent1"/>
+          </a:fillRef>
+          <a:effectRef idx="0">
+            <a:schemeClr val="accent1"/>
+          </a:effectRef>
+          <a:fontRef idx="minor">
+            <a:schemeClr val="tx1"/>
+          </a:fontRef>
+        </p:style>
+      </p:cxnSp>
+      <p:cxnSp>
+        <p:nvCxnSpPr>
+          <p:cNvPr id="37" name="Connector: Elbow 36">
+            <a:extLst>
+              <a:ext uri="{FF2B5EF4-FFF2-40B4-BE49-F238E27FC236}">
+                <a16:creationId xmlns:a16="http://schemas.microsoft.com/office/drawing/2014/main" id="{097673C1-5FE5-41B8-AE50-FEA7E80CEBA6}"/>
+              </a:ext>
+            </a:extLst>
+          </p:cNvPr>
+          <p:cNvCxnSpPr>
+            <a:cxnSpLocks/>
+            <a:stCxn id="7" idx="3"/>
+            <a:endCxn id="34" idx="5"/>
+          </p:cNvCxnSpPr>
+          <p:nvPr/>
+        </p:nvCxnSpPr>
+        <p:spPr>
+          <a:xfrm flipH="1">
+            <a:off x="5001237" y="1765884"/>
+            <a:ext cx="258661" cy="4112174"/>
+          </a:xfrm>
+          <a:prstGeom prst="bentConnector3">
+            <a:avLst>
+              <a:gd name="adj1" fmla="val -88378"/>
+            </a:avLst>
+          </a:prstGeom>
+          <a:ln>
+            <a:tailEnd type="triangle"/>
+          </a:ln>
+        </p:spPr>
+        <p:style>
+          <a:lnRef idx="1">
+            <a:schemeClr val="accent1"/>
+          </a:lnRef>
+          <a:fillRef idx="0">
+            <a:schemeClr val="accent1"/>
+          </a:fillRef>
+          <a:effectRef idx="0">
+            <a:schemeClr val="accent1"/>
+          </a:effectRef>
+          <a:fontRef idx="minor">
+            <a:schemeClr val="tx1"/>
+          </a:fontRef>
+        </p:style>
+      </p:cxnSp>
+      <p:sp>
+        <p:nvSpPr>
+          <p:cNvPr id="40" name="TextBox 39">
+            <a:extLst>
+              <a:ext uri="{FF2B5EF4-FFF2-40B4-BE49-F238E27FC236}">
+                <a16:creationId xmlns:a16="http://schemas.microsoft.com/office/drawing/2014/main" id="{35A8D69F-1593-45B7-9D8F-0C76203EFBDB}"/>
+              </a:ext>
+            </a:extLst>
+          </p:cNvPr>
+          <p:cNvSpPr txBox="1"/>
+          <p:nvPr/>
+        </p:nvSpPr>
+        <p:spPr>
+          <a:xfrm>
+            <a:off x="7250185" y="553566"/>
+            <a:ext cx="2715936" cy="369332"/>
+          </a:xfrm>
+          <a:prstGeom prst="rect">
+            <a:avLst/>
+          </a:prstGeom>
+          <a:noFill/>
+        </p:spPr>
+        <p:txBody>
+          <a:bodyPr wrap="square">
+            <a:spAutoFit/>
+          </a:bodyPr>
+          <a:lstStyle/>
+          <a:p>
+            <a:pPr algn="ctr"/>
+            <a:r>
+              <a:rPr lang="en-US" dirty="0">
+                <a:solidFill>
+                  <a:schemeClr val="tx1"/>
+                </a:solidFill>
+              </a:rPr>
+              <a:t>TFBS prediction pipeline</a:t>
+            </a:r>
+          </a:p>
+        </p:txBody>
+      </p:sp>
+      <p:sp>
+        <p:nvSpPr>
+          <p:cNvPr id="41" name="TextBox 40">
+            <a:extLst>
+              <a:ext uri="{FF2B5EF4-FFF2-40B4-BE49-F238E27FC236}">
+                <a16:creationId xmlns:a16="http://schemas.microsoft.com/office/drawing/2014/main" id="{E75BF2C9-9888-4D1B-A5D0-A0A841128B9C}"/>
+              </a:ext>
+            </a:extLst>
+          </p:cNvPr>
+          <p:cNvSpPr txBox="1"/>
+          <p:nvPr/>
+        </p:nvSpPr>
+        <p:spPr>
+          <a:xfrm>
+            <a:off x="3226792" y="3686743"/>
+            <a:ext cx="1050370" cy="369332"/>
+          </a:xfrm>
+          <a:prstGeom prst="rect">
+            <a:avLst/>
+          </a:prstGeom>
+          <a:noFill/>
+        </p:spPr>
+        <p:txBody>
+          <a:bodyPr wrap="square">
+            <a:spAutoFit/>
+          </a:bodyPr>
+          <a:lstStyle/>
+          <a:p>
+            <a:pPr algn="ctr"/>
+            <a:r>
+              <a:rPr lang="en-US" i="1" dirty="0" err="1">
+                <a:solidFill>
+                  <a:schemeClr val="tx1"/>
+                </a:solidFill>
+              </a:rPr>
+              <a:t>itrain</a:t>
+            </a:r>
+            <a:endParaRPr lang="en-US" i="1" dirty="0">
+              <a:solidFill>
+                <a:schemeClr val="tx1"/>
+              </a:solidFill>
+            </a:endParaRPr>
+          </a:p>
+        </p:txBody>
+      </p:sp>
+      <p:sp>
+        <p:nvSpPr>
+          <p:cNvPr id="42" name="TextBox 41">
+            <a:extLst>
+              <a:ext uri="{FF2B5EF4-FFF2-40B4-BE49-F238E27FC236}">
+                <a16:creationId xmlns:a16="http://schemas.microsoft.com/office/drawing/2014/main" id="{06138646-3F36-43CE-A29E-2AAB63C6BC67}"/>
+              </a:ext>
+            </a:extLst>
+          </p:cNvPr>
+          <p:cNvSpPr txBox="1"/>
+          <p:nvPr/>
+        </p:nvSpPr>
+        <p:spPr>
+          <a:xfrm>
+            <a:off x="3091347" y="5014519"/>
+            <a:ext cx="1185815" cy="369332"/>
+          </a:xfrm>
+          <a:prstGeom prst="rect">
+            <a:avLst/>
+          </a:prstGeom>
+          <a:noFill/>
+        </p:spPr>
+        <p:txBody>
+          <a:bodyPr wrap="square">
+            <a:spAutoFit/>
+          </a:bodyPr>
+          <a:lstStyle/>
+          <a:p>
+            <a:pPr algn="ctr"/>
+            <a:r>
+              <a:rPr lang="en-US" i="1" dirty="0"/>
+              <a:t>predict</a:t>
+            </a:r>
+            <a:endParaRPr lang="en-US" i="1" dirty="0">
+              <a:solidFill>
+                <a:schemeClr val="tx1"/>
+              </a:solidFill>
+            </a:endParaRPr>
+          </a:p>
+        </p:txBody>
+      </p:sp>
+      <p:sp>
+        <p:nvSpPr>
+          <p:cNvPr id="43" name="TextBox 42">
+            <a:extLst>
+              <a:ext uri="{FF2B5EF4-FFF2-40B4-BE49-F238E27FC236}">
+                <a16:creationId xmlns:a16="http://schemas.microsoft.com/office/drawing/2014/main" id="{2088AD68-EFCB-4CB7-8FA0-730BF92E947C}"/>
+              </a:ext>
+            </a:extLst>
+          </p:cNvPr>
+          <p:cNvSpPr txBox="1"/>
+          <p:nvPr/>
+        </p:nvSpPr>
+        <p:spPr>
+          <a:xfrm>
+            <a:off x="1887437" y="4197948"/>
+            <a:ext cx="1185815" cy="369332"/>
+          </a:xfrm>
+          <a:prstGeom prst="rect">
+            <a:avLst/>
+          </a:prstGeom>
+          <a:noFill/>
+        </p:spPr>
+        <p:txBody>
+          <a:bodyPr wrap="square">
+            <a:spAutoFit/>
+          </a:bodyPr>
+          <a:lstStyle/>
+          <a:p>
+            <a:pPr algn="ctr"/>
+            <a:r>
+              <a:rPr lang="en-US" i="1" dirty="0"/>
+              <a:t>labels</a:t>
+            </a:r>
+            <a:endParaRPr lang="en-US" i="1" dirty="0">
+              <a:solidFill>
+                <a:schemeClr val="tx1"/>
+              </a:solidFill>
+            </a:endParaRPr>
+          </a:p>
+        </p:txBody>
+      </p:sp>
+      <p:sp>
+        <p:nvSpPr>
+          <p:cNvPr id="44" name="TextBox 43">
+            <a:extLst>
+              <a:ext uri="{FF2B5EF4-FFF2-40B4-BE49-F238E27FC236}">
+                <a16:creationId xmlns:a16="http://schemas.microsoft.com/office/drawing/2014/main" id="{609FA0CA-7BE7-4C47-9A0B-3B64C02C04B9}"/>
+              </a:ext>
+            </a:extLst>
+          </p:cNvPr>
+          <p:cNvSpPr txBox="1"/>
+          <p:nvPr/>
+        </p:nvSpPr>
+        <p:spPr>
+          <a:xfrm>
+            <a:off x="2733243" y="1040891"/>
+            <a:ext cx="1185815" cy="369332"/>
+          </a:xfrm>
+          <a:prstGeom prst="rect">
+            <a:avLst/>
+          </a:prstGeom>
+          <a:noFill/>
+        </p:spPr>
+        <p:txBody>
+          <a:bodyPr wrap="square">
+            <a:spAutoFit/>
+          </a:bodyPr>
+          <a:lstStyle/>
+          <a:p>
+            <a:pPr algn="ctr"/>
+            <a:r>
+              <a:rPr lang="en-US" i="1" dirty="0"/>
+              <a:t>access</a:t>
+            </a:r>
+            <a:endParaRPr lang="en-US" i="1" dirty="0">
+              <a:solidFill>
+                <a:schemeClr val="tx1"/>
+              </a:solidFill>
+            </a:endParaRPr>
+          </a:p>
+        </p:txBody>
+      </p:sp>
+      <p:sp>
+        <p:nvSpPr>
+          <p:cNvPr id="45" name="TextBox 44">
+            <a:extLst>
+              <a:ext uri="{FF2B5EF4-FFF2-40B4-BE49-F238E27FC236}">
+                <a16:creationId xmlns:a16="http://schemas.microsoft.com/office/drawing/2014/main" id="{DABC41B8-5864-4480-9766-42B56C3601EE}"/>
+              </a:ext>
+            </a:extLst>
+          </p:cNvPr>
+          <p:cNvSpPr txBox="1"/>
+          <p:nvPr/>
+        </p:nvSpPr>
+        <p:spPr>
+          <a:xfrm>
+            <a:off x="4441970" y="1076409"/>
+            <a:ext cx="1185815" cy="369332"/>
+          </a:xfrm>
+          <a:prstGeom prst="rect">
+            <a:avLst/>
+          </a:prstGeom>
+          <a:noFill/>
+        </p:spPr>
+        <p:txBody>
+          <a:bodyPr wrap="square">
+            <a:spAutoFit/>
+          </a:bodyPr>
+          <a:lstStyle/>
+          <a:p>
+            <a:pPr algn="ctr"/>
+            <a:r>
+              <a:rPr lang="en-US" i="1" dirty="0"/>
+              <a:t>motif</a:t>
+            </a:r>
+            <a:endParaRPr lang="en-US" i="1" dirty="0">
+              <a:solidFill>
+                <a:schemeClr val="tx1"/>
+              </a:solidFill>
+            </a:endParaRPr>
+          </a:p>
+        </p:txBody>
+      </p:sp>
+      <p:pic>
+        <p:nvPicPr>
+          <p:cNvPr id="48" name="Picture 47">
+            <a:extLst>
+              <a:ext uri="{FF2B5EF4-FFF2-40B4-BE49-F238E27FC236}">
+                <a16:creationId xmlns:a16="http://schemas.microsoft.com/office/drawing/2014/main" id="{54F29C25-D464-4571-833B-3FDD92102AAC}"/>
+              </a:ext>
+            </a:extLst>
+          </p:cNvPr>
+          <p:cNvPicPr>
+            <a:picLocks noChangeAspect="1"/>
+          </p:cNvPicPr>
+          <p:nvPr/>
+        </p:nvPicPr>
+        <p:blipFill>
+          <a:blip r:embed="rId2"/>
+          <a:stretch>
+            <a:fillRect/>
+          </a:stretch>
+        </p:blipFill>
+        <p:spPr>
+          <a:xfrm>
+            <a:off x="778389" y="1884834"/>
+            <a:ext cx="2217880" cy="1081746"/>
+          </a:xfrm>
+          <a:prstGeom prst="rect">
+            <a:avLst/>
+          </a:prstGeom>
+        </p:spPr>
+      </p:pic>
+    </p:spTree>
+    <p:extLst>
+      <p:ext uri="{BB962C8B-B14F-4D97-AF65-F5344CB8AC3E}">
+        <p14:creationId xmlns:p14="http://schemas.microsoft.com/office/powerpoint/2010/main" val="270113437"/>
+      </p:ext>
+    </p:extLst>
+  </p:cSld>
+  <p:clrMapOvr>
+    <a:masterClrMapping/>
+  </p:clrMapOvr>
+</p:sld>
+</file>
+
+<file path=ppt/slides/slide22.xml><?xml version="1.0" encoding="utf-8"?>
+<p:sld xmlns:a="http://schemas.openxmlformats.org/drawingml/2006/main" xmlns:r="http://schemas.openxmlformats.org/officeDocument/2006/relationships" xmlns:p="http://schemas.openxmlformats.org/presentationml/2006/main">
+  <p:cSld>
+    <p:spTree>
+      <p:nvGrpSpPr>
+        <p:cNvPr id="1" name=""/>
+        <p:cNvGrpSpPr/>
+        <p:nvPr/>
+      </p:nvGrpSpPr>
+      <p:grpSpPr>
+        <a:xfrm>
+          <a:off x="0" y="0"/>
+          <a:ext cx="0" cy="0"/>
+          <a:chOff x="0" y="0"/>
+          <a:chExt cx="0" cy="0"/>
+        </a:xfrm>
+      </p:grpSpPr>
+    </p:spTree>
+    <p:extLst>
+      <p:ext uri="{BB962C8B-B14F-4D97-AF65-F5344CB8AC3E}">
+        <p14:creationId xmlns:p14="http://schemas.microsoft.com/office/powerpoint/2010/main" val="2618199728"/>
+      </p:ext>
+    </p:extLst>
+  </p:cSld>
+  <p:clrMapOvr>
+    <a:masterClrMapping/>
+  </p:clrMapOvr>
+</p:sld>
+</file>
+
+<file path=ppt/slides/slide23.xml><?xml version="1.0" encoding="utf-8"?>
+<p:sld xmlns:a="http://schemas.openxmlformats.org/drawingml/2006/main" xmlns:r="http://schemas.openxmlformats.org/officeDocument/2006/relationships" xmlns:p="http://schemas.openxmlformats.org/presentationml/2006/main">
+  <p:cSld>
+    <p:spTree>
+      <p:nvGrpSpPr>
+        <p:cNvPr id="1" name=""/>
+        <p:cNvGrpSpPr/>
+        <p:nvPr/>
+      </p:nvGrpSpPr>
+      <p:grpSpPr>
+        <a:xfrm>
+          <a:off x="0" y="0"/>
+          <a:ext cx="0" cy="0"/>
+          <a:chOff x="0" y="0"/>
+          <a:chExt cx="0" cy="0"/>
+        </a:xfrm>
+      </p:grpSpPr>
+    </p:spTree>
+    <p:extLst>
+      <p:ext uri="{BB962C8B-B14F-4D97-AF65-F5344CB8AC3E}">
+        <p14:creationId xmlns:p14="http://schemas.microsoft.com/office/powerpoint/2010/main" val="2460581095"/>
+      </p:ext>
+    </p:extLst>
+  </p:cSld>
+  <p:clrMapOvr>
+    <a:masterClrMapping/>
+  </p:clrMapOvr>
+</p:sld>
+</file>
+
+<file path=ppt/slides/slide24.xml><?xml version="1.0" encoding="utf-8"?>
+<p:sld xmlns:a="http://schemas.openxmlformats.org/drawingml/2006/main" xmlns:r="http://schemas.openxmlformats.org/officeDocument/2006/relationships" xmlns:p="http://schemas.openxmlformats.org/presentationml/2006/main">
+  <p:cSld>
+    <p:spTree>
+      <p:nvGrpSpPr>
+        <p:cNvPr id="1" name=""/>
+        <p:cNvGrpSpPr/>
+        <p:nvPr/>
+      </p:nvGrpSpPr>
+      <p:grpSpPr>
+        <a:xfrm>
+          <a:off x="0" y="0"/>
+          <a:ext cx="0" cy="0"/>
+          <a:chOff x="0" y="0"/>
+          <a:chExt cx="0" cy="0"/>
+        </a:xfrm>
+      </p:grpSpPr>
+      <p:sp>
+        <p:nvSpPr>
+          <p:cNvPr id="2" name="Title 1">
+            <a:extLst>
+              <a:ext uri="{FF2B5EF4-FFF2-40B4-BE49-F238E27FC236}">
+                <a16:creationId xmlns:a16="http://schemas.microsoft.com/office/drawing/2014/main" id="{6BC68A8B-B00D-4223-ACBF-5316B91539EC}"/>
+              </a:ext>
+            </a:extLst>
+          </p:cNvPr>
+          <p:cNvSpPr>
+            <a:spLocks noGrp="1"/>
+          </p:cNvSpPr>
+          <p:nvPr>
+            <p:ph type="title"/>
+          </p:nvPr>
+        </p:nvSpPr>
+        <p:spPr/>
+        <p:txBody>
+          <a:bodyPr/>
+          <a:lstStyle/>
+          <a:p>
+            <a:endParaRPr lang="en-US"/>
+          </a:p>
+        </p:txBody>
+      </p:sp>
+      <p:sp>
+        <p:nvSpPr>
+          <p:cNvPr id="3" name="Text Placeholder 2">
+            <a:extLst>
+              <a:ext uri="{FF2B5EF4-FFF2-40B4-BE49-F238E27FC236}">
+                <a16:creationId xmlns:a16="http://schemas.microsoft.com/office/drawing/2014/main" id="{F5BFFA35-5462-4A9B-AEC0-02F6054BEDD2}"/>
+              </a:ext>
+            </a:extLst>
+          </p:cNvPr>
+          <p:cNvSpPr>
+            <a:spLocks noGrp="1"/>
+          </p:cNvSpPr>
+          <p:nvPr>
+            <p:ph type="body" idx="1"/>
+          </p:nvPr>
+        </p:nvSpPr>
+        <p:spPr/>
+        <p:txBody>
+          <a:bodyPr/>
+          <a:lstStyle/>
+          <a:p>
+            <a:endParaRPr lang="en-US"/>
+          </a:p>
+        </p:txBody>
+      </p:sp>
+    </p:spTree>
+    <p:extLst>
+      <p:ext uri="{BB962C8B-B14F-4D97-AF65-F5344CB8AC3E}">
+        <p14:creationId xmlns:p14="http://schemas.microsoft.com/office/powerpoint/2010/main" val="2743302713"/>
+      </p:ext>
+    </p:extLst>
+  </p:cSld>
+  <p:clrMapOvr>
+    <a:masterClrMapping/>
+  </p:clrMapOvr>
+</p:sld>
+</file>
+
+<file path=ppt/slides/slide25.xml><?xml version="1.0" encoding="utf-8"?>
+<p:sld xmlns:a="http://schemas.openxmlformats.org/drawingml/2006/main" xmlns:r="http://schemas.openxmlformats.org/officeDocument/2006/relationships" xmlns:p="http://schemas.openxmlformats.org/presentationml/2006/main">
+  <p:cSld>
+    <p:spTree>
+      <p:nvGrpSpPr>
+        <p:cNvPr id="1" name=""/>
+        <p:cNvGrpSpPr/>
+        <p:nvPr/>
+      </p:nvGrpSpPr>
+      <p:grpSpPr>
+        <a:xfrm>
+          <a:off x="0" y="0"/>
+          <a:ext cx="0" cy="0"/>
+          <a:chOff x="0" y="0"/>
+          <a:chExt cx="0" cy="0"/>
+        </a:xfrm>
+      </p:grpSpPr>
+      <p:sp>
+        <p:nvSpPr>
+          <p:cNvPr id="2" name="Title 1">
+            <a:extLst>
+              <a:ext uri="{FF2B5EF4-FFF2-40B4-BE49-F238E27FC236}">
+                <a16:creationId xmlns:a16="http://schemas.microsoft.com/office/drawing/2014/main" id="{4BAC4EE9-F408-4D69-B9FC-D0121EFF8241}"/>
+              </a:ext>
+            </a:extLst>
+          </p:cNvPr>
+          <p:cNvSpPr>
+            <a:spLocks noGrp="1"/>
+          </p:cNvSpPr>
+          <p:nvPr>
+            <p:ph type="title"/>
+          </p:nvPr>
+        </p:nvSpPr>
+        <p:spPr/>
+        <p:txBody>
+          <a:bodyPr/>
+          <a:lstStyle/>
+          <a:p>
+            <a:endParaRPr lang="en-US"/>
+          </a:p>
+        </p:txBody>
+      </p:sp>
+      <p:sp>
+        <p:nvSpPr>
+          <p:cNvPr id="3" name="Text Placeholder 2">
+            <a:extLst>
+              <a:ext uri="{FF2B5EF4-FFF2-40B4-BE49-F238E27FC236}">
+                <a16:creationId xmlns:a16="http://schemas.microsoft.com/office/drawing/2014/main" id="{237C3EB9-6662-4E21-AE5F-E40690EBB34E}"/>
+              </a:ext>
+            </a:extLst>
+          </p:cNvPr>
+          <p:cNvSpPr>
+            <a:spLocks noGrp="1"/>
+          </p:cNvSpPr>
+          <p:nvPr>
+            <p:ph type="body" idx="1"/>
+          </p:nvPr>
+        </p:nvSpPr>
+        <p:spPr/>
+        <p:txBody>
+          <a:bodyPr/>
+          <a:lstStyle/>
+          <a:p>
+            <a:endParaRPr lang="en-US"/>
+          </a:p>
+        </p:txBody>
+      </p:sp>
+    </p:spTree>
+    <p:extLst>
+      <p:ext uri="{BB962C8B-B14F-4D97-AF65-F5344CB8AC3E}">
+        <p14:creationId xmlns:p14="http://schemas.microsoft.com/office/powerpoint/2010/main" val="4175647027"/>
+      </p:ext>
+    </p:extLst>
+  </p:cSld>
+  <p:clrMapOvr>
+    <a:masterClrMapping/>
+  </p:clrMapOvr>
+</p:sld>
+</file>
+
 <file path=ppt/slides/slide3.xml><?xml version="1.0" encoding="utf-8"?>
 <p:sld xmlns:a="http://schemas.openxmlformats.org/drawingml/2006/main" xmlns:r="http://schemas.openxmlformats.org/officeDocument/2006/relationships" xmlns:p="http://schemas.openxmlformats.org/presentationml/2006/main">
   <p:cSld>
